--- a/IOT/Teck Ghee Horizon/469/469.pptx
+++ b/IOT/Teck Ghee Horizon/469/469.pptx
@@ -201,7 +201,7 @@
           <a:p>
             <a:fld id="{C8FF2052-032B-48F4-9870-F6486F2A5515}" type="datetimeFigureOut">
               <a:rPr lang="en-US" smtClean="0"/>
-              <a:t>10/24/2024</a:t>
+              <a:t>10/25/2024</a:t>
             </a:fld>
             <a:endParaRPr lang="en-US"/>
           </a:p>
@@ -468,6 +468,90 @@
 </p:notesMaster>
 </file>
 
+<file path=ppt/notesSlides/notesSlide1.xml><?xml version="1.0" encoding="utf-8"?>
+<p:notes xmlns:a="http://schemas.openxmlformats.org/drawingml/2006/main" xmlns:r="http://schemas.openxmlformats.org/officeDocument/2006/relationships" xmlns:p="http://schemas.openxmlformats.org/presentationml/2006/main">
+  <p:cSld>
+    <p:spTree>
+      <p:nvGrpSpPr>
+        <p:cNvPr id="1" name=""/>
+        <p:cNvGrpSpPr/>
+        <p:nvPr/>
+      </p:nvGrpSpPr>
+      <p:grpSpPr>
+        <a:xfrm>
+          <a:off x="0" y="0"/>
+          <a:ext cx="0" cy="0"/>
+          <a:chOff x="0" y="0"/>
+          <a:chExt cx="0" cy="0"/>
+        </a:xfrm>
+      </p:grpSpPr>
+      <p:sp>
+        <p:nvSpPr>
+          <p:cNvPr id="2" name="Slide Image Placeholder 1"/>
+          <p:cNvSpPr>
+            <a:spLocks noGrp="1" noRot="1" noChangeAspect="1"/>
+          </p:cNvSpPr>
+          <p:nvPr>
+            <p:ph type="sldImg"/>
+          </p:nvPr>
+        </p:nvSpPr>
+        <p:spPr/>
+      </p:sp>
+      <p:sp>
+        <p:nvSpPr>
+          <p:cNvPr id="3" name="Notes Placeholder 2"/>
+          <p:cNvSpPr>
+            <a:spLocks noGrp="1"/>
+          </p:cNvSpPr>
+          <p:nvPr>
+            <p:ph type="body" idx="1"/>
+          </p:nvPr>
+        </p:nvSpPr>
+        <p:spPr/>
+        <p:txBody>
+          <a:bodyPr/>
+          <a:lstStyle/>
+          <a:p>
+            <a:endParaRPr lang="en-US" dirty="0"/>
+          </a:p>
+        </p:txBody>
+      </p:sp>
+      <p:sp>
+        <p:nvSpPr>
+          <p:cNvPr id="4" name="Slide Number Placeholder 3"/>
+          <p:cNvSpPr>
+            <a:spLocks noGrp="1"/>
+          </p:cNvSpPr>
+          <p:nvPr>
+            <p:ph type="sldNum" sz="quarter" idx="5"/>
+          </p:nvPr>
+        </p:nvSpPr>
+        <p:spPr/>
+        <p:txBody>
+          <a:bodyPr/>
+          <a:lstStyle/>
+          <a:p>
+            <a:fld id="{892F711B-C04B-4322-BBA1-9975426DC5E2}" type="slidenum">
+              <a:rPr lang="en-US" smtClean="0"/>
+              <a:t>3</a:t>
+            </a:fld>
+            <a:endParaRPr lang="en-US"/>
+          </a:p>
+        </p:txBody>
+      </p:sp>
+    </p:spTree>
+    <p:extLst>
+      <p:ext uri="{BB962C8B-B14F-4D97-AF65-F5344CB8AC3E}">
+        <p14:creationId xmlns:p14="http://schemas.microsoft.com/office/powerpoint/2010/main" val="3166444626"/>
+      </p:ext>
+    </p:extLst>
+  </p:cSld>
+  <p:clrMapOvr>
+    <a:masterClrMapping/>
+  </p:clrMapOvr>
+</p:notes>
+</file>
+
 <file path=ppt/slideLayouts/slideLayout1.xml><?xml version="1.0" encoding="utf-8"?>
 <p:sldLayout xmlns:a="http://schemas.openxmlformats.org/drawingml/2006/main" xmlns:r="http://schemas.openxmlformats.org/officeDocument/2006/relationships" xmlns:p="http://schemas.openxmlformats.org/presentationml/2006/main" type="title" preserve="1">
   <p:cSld name="Title Slide">
@@ -615,7 +699,7 @@
           <a:p>
             <a:fld id="{484A7304-5407-43DA-8707-3BFFE8D5132F}" type="datetimeFigureOut">
               <a:rPr lang="en-US" smtClean="0"/>
-              <a:t>10/24/2024</a:t>
+              <a:t>10/25/2024</a:t>
             </a:fld>
             <a:endParaRPr lang="en-US"/>
           </a:p>
@@ -813,7 +897,7 @@
           <a:p>
             <a:fld id="{484A7304-5407-43DA-8707-3BFFE8D5132F}" type="datetimeFigureOut">
               <a:rPr lang="en-US" smtClean="0"/>
-              <a:t>10/24/2024</a:t>
+              <a:t>10/25/2024</a:t>
             </a:fld>
             <a:endParaRPr lang="en-US"/>
           </a:p>
@@ -1021,7 +1105,7 @@
           <a:p>
             <a:fld id="{484A7304-5407-43DA-8707-3BFFE8D5132F}" type="datetimeFigureOut">
               <a:rPr lang="en-US" smtClean="0"/>
-              <a:t>10/24/2024</a:t>
+              <a:t>10/25/2024</a:t>
             </a:fld>
             <a:endParaRPr lang="en-US"/>
           </a:p>
@@ -1219,7 +1303,7 @@
           <a:p>
             <a:fld id="{484A7304-5407-43DA-8707-3BFFE8D5132F}" type="datetimeFigureOut">
               <a:rPr lang="en-US" smtClean="0"/>
-              <a:t>10/24/2024</a:t>
+              <a:t>10/25/2024</a:t>
             </a:fld>
             <a:endParaRPr lang="en-US"/>
           </a:p>
@@ -1494,7 +1578,7 @@
           <a:p>
             <a:fld id="{484A7304-5407-43DA-8707-3BFFE8D5132F}" type="datetimeFigureOut">
               <a:rPr lang="en-US" smtClean="0"/>
-              <a:t>10/24/2024</a:t>
+              <a:t>10/25/2024</a:t>
             </a:fld>
             <a:endParaRPr lang="en-US"/>
           </a:p>
@@ -1759,7 +1843,7 @@
           <a:p>
             <a:fld id="{484A7304-5407-43DA-8707-3BFFE8D5132F}" type="datetimeFigureOut">
               <a:rPr lang="en-US" smtClean="0"/>
-              <a:t>10/24/2024</a:t>
+              <a:t>10/25/2024</a:t>
             </a:fld>
             <a:endParaRPr lang="en-US"/>
           </a:p>
@@ -2171,7 +2255,7 @@
           <a:p>
             <a:fld id="{484A7304-5407-43DA-8707-3BFFE8D5132F}" type="datetimeFigureOut">
               <a:rPr lang="en-US" smtClean="0"/>
-              <a:t>10/24/2024</a:t>
+              <a:t>10/25/2024</a:t>
             </a:fld>
             <a:endParaRPr lang="en-US"/>
           </a:p>
@@ -2312,7 +2396,7 @@
           <a:p>
             <a:fld id="{484A7304-5407-43DA-8707-3BFFE8D5132F}" type="datetimeFigureOut">
               <a:rPr lang="en-US" smtClean="0"/>
-              <a:t>10/24/2024</a:t>
+              <a:t>10/25/2024</a:t>
             </a:fld>
             <a:endParaRPr lang="en-US"/>
           </a:p>
@@ -2425,7 +2509,7 @@
           <a:p>
             <a:fld id="{484A7304-5407-43DA-8707-3BFFE8D5132F}" type="datetimeFigureOut">
               <a:rPr lang="en-US" smtClean="0"/>
-              <a:t>10/24/2024</a:t>
+              <a:t>10/25/2024</a:t>
             </a:fld>
             <a:endParaRPr lang="en-US"/>
           </a:p>
@@ -2736,7 +2820,7 @@
           <a:p>
             <a:fld id="{484A7304-5407-43DA-8707-3BFFE8D5132F}" type="datetimeFigureOut">
               <a:rPr lang="en-US" smtClean="0"/>
-              <a:t>10/24/2024</a:t>
+              <a:t>10/25/2024</a:t>
             </a:fld>
             <a:endParaRPr lang="en-US"/>
           </a:p>
@@ -3024,7 +3108,7 @@
           <a:p>
             <a:fld id="{484A7304-5407-43DA-8707-3BFFE8D5132F}" type="datetimeFigureOut">
               <a:rPr lang="en-US" smtClean="0"/>
-              <a:t>10/24/2024</a:t>
+              <a:t>10/25/2024</a:t>
             </a:fld>
             <a:endParaRPr lang="en-US"/>
           </a:p>
@@ -3265,7 +3349,7 @@
           <a:p>
             <a:fld id="{484A7304-5407-43DA-8707-3BFFE8D5132F}" type="datetimeFigureOut">
               <a:rPr lang="en-US" smtClean="0"/>
-              <a:t>10/24/2024</a:t>
+              <a:t>10/25/2024</a:t>
             </a:fld>
             <a:endParaRPr lang="en-US"/>
           </a:p>
@@ -3871,7 +3955,7 @@
           <p:nvPr/>
         </p:nvPicPr>
         <p:blipFill>
-          <a:blip r:embed="rId2">
+          <a:blip r:embed="rId3">
             <a:extLst>
               <a:ext uri="{28A0092B-C50C-407E-A947-70E740481C1C}">
                 <a14:useLocalDpi xmlns:a14="http://schemas.microsoft.com/office/drawing/2010/main" val="0"/>
@@ -3905,7 +3989,7 @@
         </p:nvSpPr>
         <p:spPr>
           <a:xfrm>
-            <a:off x="-39664" y="-2102"/>
+            <a:off x="-33177" y="0"/>
             <a:ext cx="12192000" cy="6858000"/>
           </a:xfrm>
           <a:prstGeom prst="rect">
@@ -3942,434 +4026,6 @@
           </a:p>
         </p:txBody>
       </p:sp>
-      <p:grpSp>
-        <p:nvGrpSpPr>
-          <p:cNvPr id="41" name="Pillars">
-            <a:extLst>
-              <a:ext uri="{FF2B5EF4-FFF2-40B4-BE49-F238E27FC236}">
-                <a16:creationId xmlns:a16="http://schemas.microsoft.com/office/drawing/2014/main" id="{8C7E03E0-C296-291F-78D1-53C073F98269}"/>
-              </a:ext>
-            </a:extLst>
-          </p:cNvPr>
-          <p:cNvGrpSpPr/>
-          <p:nvPr/>
-        </p:nvGrpSpPr>
-        <p:grpSpPr>
-          <a:xfrm>
-            <a:off x="2032671" y="2902610"/>
-            <a:ext cx="3249141" cy="140873"/>
-            <a:chOff x="2187880" y="1024128"/>
-            <a:chExt cx="3249141" cy="140873"/>
-          </a:xfrm>
-        </p:grpSpPr>
-        <p:cxnSp>
-          <p:nvCxnSpPr>
-            <p:cNvPr id="18" name="Straight Connector 17">
-              <a:extLst>
-                <a:ext uri="{FF2B5EF4-FFF2-40B4-BE49-F238E27FC236}">
-                  <a16:creationId xmlns:a16="http://schemas.microsoft.com/office/drawing/2014/main" id="{D0114014-C06D-98DC-F997-BD55EC31FEB8}"/>
-                </a:ext>
-              </a:extLst>
-            </p:cNvPr>
-            <p:cNvCxnSpPr/>
-            <p:nvPr/>
-          </p:nvCxnSpPr>
-          <p:spPr>
-            <a:xfrm>
-              <a:off x="2187880" y="1027841"/>
-              <a:ext cx="0" cy="137160"/>
-            </a:xfrm>
-            <a:prstGeom prst="line">
-              <a:avLst/>
-            </a:prstGeom>
-            <a:ln w="19050"/>
-          </p:spPr>
-          <p:style>
-            <a:lnRef idx="1">
-              <a:schemeClr val="dk1"/>
-            </a:lnRef>
-            <a:fillRef idx="0">
-              <a:schemeClr val="dk1"/>
-            </a:fillRef>
-            <a:effectRef idx="0">
-              <a:schemeClr val="dk1"/>
-            </a:effectRef>
-            <a:fontRef idx="minor">
-              <a:schemeClr val="tx1"/>
-            </a:fontRef>
-          </p:style>
-        </p:cxnSp>
-        <p:cxnSp>
-          <p:nvCxnSpPr>
-            <p:cNvPr id="19" name="Straight Connector 18">
-              <a:extLst>
-                <a:ext uri="{FF2B5EF4-FFF2-40B4-BE49-F238E27FC236}">
-                  <a16:creationId xmlns:a16="http://schemas.microsoft.com/office/drawing/2014/main" id="{BF77EB95-060D-8F0F-B1AA-8471F2D7BD1F}"/>
-                </a:ext>
-              </a:extLst>
-            </p:cNvPr>
-            <p:cNvCxnSpPr/>
-            <p:nvPr/>
-          </p:nvCxnSpPr>
-          <p:spPr>
-            <a:xfrm>
-              <a:off x="2514113" y="1024128"/>
-              <a:ext cx="0" cy="137160"/>
-            </a:xfrm>
-            <a:prstGeom prst="line">
-              <a:avLst/>
-            </a:prstGeom>
-            <a:ln w="19050"/>
-          </p:spPr>
-          <p:style>
-            <a:lnRef idx="1">
-              <a:schemeClr val="dk1"/>
-            </a:lnRef>
-            <a:fillRef idx="0">
-              <a:schemeClr val="dk1"/>
-            </a:fillRef>
-            <a:effectRef idx="0">
-              <a:schemeClr val="dk1"/>
-            </a:effectRef>
-            <a:fontRef idx="minor">
-              <a:schemeClr val="tx1"/>
-            </a:fontRef>
-          </p:style>
-        </p:cxnSp>
-        <p:cxnSp>
-          <p:nvCxnSpPr>
-            <p:cNvPr id="20" name="Straight Connector 19">
-              <a:extLst>
-                <a:ext uri="{FF2B5EF4-FFF2-40B4-BE49-F238E27FC236}">
-                  <a16:creationId xmlns:a16="http://schemas.microsoft.com/office/drawing/2014/main" id="{7D41D183-9994-B93B-B2FC-EE47EA42B952}"/>
-                </a:ext>
-              </a:extLst>
-            </p:cNvPr>
-            <p:cNvCxnSpPr/>
-            <p:nvPr/>
-          </p:nvCxnSpPr>
-          <p:spPr>
-            <a:xfrm>
-              <a:off x="2835582" y="1024128"/>
-              <a:ext cx="0" cy="137160"/>
-            </a:xfrm>
-            <a:prstGeom prst="line">
-              <a:avLst/>
-            </a:prstGeom>
-            <a:ln w="19050"/>
-          </p:spPr>
-          <p:style>
-            <a:lnRef idx="1">
-              <a:schemeClr val="dk1"/>
-            </a:lnRef>
-            <a:fillRef idx="0">
-              <a:schemeClr val="dk1"/>
-            </a:fillRef>
-            <a:effectRef idx="0">
-              <a:schemeClr val="dk1"/>
-            </a:effectRef>
-            <a:fontRef idx="minor">
-              <a:schemeClr val="tx1"/>
-            </a:fontRef>
-          </p:style>
-        </p:cxnSp>
-        <p:cxnSp>
-          <p:nvCxnSpPr>
-            <p:cNvPr id="21" name="Straight Connector 20">
-              <a:extLst>
-                <a:ext uri="{FF2B5EF4-FFF2-40B4-BE49-F238E27FC236}">
-                  <a16:creationId xmlns:a16="http://schemas.microsoft.com/office/drawing/2014/main" id="{D6CA3D0A-A0EB-CE3A-5AB7-ED04DFE24F0A}"/>
-                </a:ext>
-              </a:extLst>
-            </p:cNvPr>
-            <p:cNvCxnSpPr/>
-            <p:nvPr/>
-          </p:nvCxnSpPr>
-          <p:spPr>
-            <a:xfrm>
-              <a:off x="3164205" y="1024128"/>
-              <a:ext cx="0" cy="137160"/>
-            </a:xfrm>
-            <a:prstGeom prst="line">
-              <a:avLst/>
-            </a:prstGeom>
-            <a:ln w="19050"/>
-          </p:spPr>
-          <p:style>
-            <a:lnRef idx="1">
-              <a:schemeClr val="dk1"/>
-            </a:lnRef>
-            <a:fillRef idx="0">
-              <a:schemeClr val="dk1"/>
-            </a:fillRef>
-            <a:effectRef idx="0">
-              <a:schemeClr val="dk1"/>
-            </a:effectRef>
-            <a:fontRef idx="minor">
-              <a:schemeClr val="tx1"/>
-            </a:fontRef>
-          </p:style>
-        </p:cxnSp>
-        <p:cxnSp>
-          <p:nvCxnSpPr>
-            <p:cNvPr id="22" name="Straight Connector 21">
-              <a:extLst>
-                <a:ext uri="{FF2B5EF4-FFF2-40B4-BE49-F238E27FC236}">
-                  <a16:creationId xmlns:a16="http://schemas.microsoft.com/office/drawing/2014/main" id="{B38FABCA-0C30-27DA-9BED-535A75413682}"/>
-                </a:ext>
-              </a:extLst>
-            </p:cNvPr>
-            <p:cNvCxnSpPr/>
-            <p:nvPr/>
-          </p:nvCxnSpPr>
-          <p:spPr>
-            <a:xfrm>
-              <a:off x="3483295" y="1024128"/>
-              <a:ext cx="0" cy="137160"/>
-            </a:xfrm>
-            <a:prstGeom prst="line">
-              <a:avLst/>
-            </a:prstGeom>
-            <a:ln w="19050"/>
-          </p:spPr>
-          <p:style>
-            <a:lnRef idx="1">
-              <a:schemeClr val="dk1"/>
-            </a:lnRef>
-            <a:fillRef idx="0">
-              <a:schemeClr val="dk1"/>
-            </a:fillRef>
-            <a:effectRef idx="0">
-              <a:schemeClr val="dk1"/>
-            </a:effectRef>
-            <a:fontRef idx="minor">
-              <a:schemeClr val="tx1"/>
-            </a:fontRef>
-          </p:style>
-        </p:cxnSp>
-        <p:cxnSp>
-          <p:nvCxnSpPr>
-            <p:cNvPr id="23" name="Straight Connector 22">
-              <a:extLst>
-                <a:ext uri="{FF2B5EF4-FFF2-40B4-BE49-F238E27FC236}">
-                  <a16:creationId xmlns:a16="http://schemas.microsoft.com/office/drawing/2014/main" id="{68F8E451-F29E-20A3-1793-CADC9F961DDC}"/>
-                </a:ext>
-              </a:extLst>
-            </p:cNvPr>
-            <p:cNvCxnSpPr/>
-            <p:nvPr/>
-          </p:nvCxnSpPr>
-          <p:spPr>
-            <a:xfrm>
-              <a:off x="3809526" y="1024128"/>
-              <a:ext cx="0" cy="137160"/>
-            </a:xfrm>
-            <a:prstGeom prst="line">
-              <a:avLst/>
-            </a:prstGeom>
-            <a:ln w="19050"/>
-          </p:spPr>
-          <p:style>
-            <a:lnRef idx="1">
-              <a:schemeClr val="dk1"/>
-            </a:lnRef>
-            <a:fillRef idx="0">
-              <a:schemeClr val="dk1"/>
-            </a:fillRef>
-            <a:effectRef idx="0">
-              <a:schemeClr val="dk1"/>
-            </a:effectRef>
-            <a:fontRef idx="minor">
-              <a:schemeClr val="tx1"/>
-            </a:fontRef>
-          </p:style>
-        </p:cxnSp>
-        <p:cxnSp>
-          <p:nvCxnSpPr>
-            <p:cNvPr id="24" name="Straight Connector 23">
-              <a:extLst>
-                <a:ext uri="{FF2B5EF4-FFF2-40B4-BE49-F238E27FC236}">
-                  <a16:creationId xmlns:a16="http://schemas.microsoft.com/office/drawing/2014/main" id="{B94B1F92-8343-1A06-6200-184C7E69566B}"/>
-                </a:ext>
-              </a:extLst>
-            </p:cNvPr>
-            <p:cNvCxnSpPr/>
-            <p:nvPr/>
-          </p:nvCxnSpPr>
-          <p:spPr>
-            <a:xfrm>
-              <a:off x="4133376" y="1024128"/>
-              <a:ext cx="0" cy="137160"/>
-            </a:xfrm>
-            <a:prstGeom prst="line">
-              <a:avLst/>
-            </a:prstGeom>
-            <a:ln w="19050"/>
-          </p:spPr>
-          <p:style>
-            <a:lnRef idx="1">
-              <a:schemeClr val="dk1"/>
-            </a:lnRef>
-            <a:fillRef idx="0">
-              <a:schemeClr val="dk1"/>
-            </a:fillRef>
-            <a:effectRef idx="0">
-              <a:schemeClr val="dk1"/>
-            </a:effectRef>
-            <a:fontRef idx="minor">
-              <a:schemeClr val="tx1"/>
-            </a:fontRef>
-          </p:style>
-        </p:cxnSp>
-        <p:cxnSp>
-          <p:nvCxnSpPr>
-            <p:cNvPr id="30" name="Straight Connector 29">
-              <a:extLst>
-                <a:ext uri="{FF2B5EF4-FFF2-40B4-BE49-F238E27FC236}">
-                  <a16:creationId xmlns:a16="http://schemas.microsoft.com/office/drawing/2014/main" id="{CE72D169-1E17-AC8F-809D-EE990DE378A3}"/>
-                </a:ext>
-              </a:extLst>
-            </p:cNvPr>
-            <p:cNvCxnSpPr/>
-            <p:nvPr/>
-          </p:nvCxnSpPr>
-          <p:spPr>
-            <a:xfrm>
-              <a:off x="4777896" y="1024128"/>
-              <a:ext cx="0" cy="137160"/>
-            </a:xfrm>
-            <a:prstGeom prst="line">
-              <a:avLst/>
-            </a:prstGeom>
-            <a:ln w="19050"/>
-          </p:spPr>
-          <p:style>
-            <a:lnRef idx="1">
-              <a:schemeClr val="dk1"/>
-            </a:lnRef>
-            <a:fillRef idx="0">
-              <a:schemeClr val="dk1"/>
-            </a:fillRef>
-            <a:effectRef idx="0">
-              <a:schemeClr val="dk1"/>
-            </a:effectRef>
-            <a:fontRef idx="minor">
-              <a:schemeClr val="tx1"/>
-            </a:fontRef>
-          </p:style>
-        </p:cxnSp>
-        <p:cxnSp>
-          <p:nvCxnSpPr>
-            <p:cNvPr id="31" name="Straight Connector 30">
-              <a:extLst>
-                <a:ext uri="{FF2B5EF4-FFF2-40B4-BE49-F238E27FC236}">
-                  <a16:creationId xmlns:a16="http://schemas.microsoft.com/office/drawing/2014/main" id="{2E3C327E-4C01-E92D-CA54-40089110CF8D}"/>
-                </a:ext>
-              </a:extLst>
-            </p:cNvPr>
-            <p:cNvCxnSpPr/>
-            <p:nvPr/>
-          </p:nvCxnSpPr>
-          <p:spPr>
-            <a:xfrm>
-              <a:off x="4461982" y="1024128"/>
-              <a:ext cx="0" cy="137160"/>
-            </a:xfrm>
-            <a:prstGeom prst="line">
-              <a:avLst/>
-            </a:prstGeom>
-            <a:ln w="19050"/>
-          </p:spPr>
-          <p:style>
-            <a:lnRef idx="1">
-              <a:schemeClr val="dk1"/>
-            </a:lnRef>
-            <a:fillRef idx="0">
-              <a:schemeClr val="dk1"/>
-            </a:fillRef>
-            <a:effectRef idx="0">
-              <a:schemeClr val="dk1"/>
-            </a:effectRef>
-            <a:fontRef idx="minor">
-              <a:schemeClr val="tx1"/>
-            </a:fontRef>
-          </p:style>
-        </p:cxnSp>
-        <p:cxnSp>
-          <p:nvCxnSpPr>
-            <p:cNvPr id="32" name="Straight Connector 31">
-              <a:extLst>
-                <a:ext uri="{FF2B5EF4-FFF2-40B4-BE49-F238E27FC236}">
-                  <a16:creationId xmlns:a16="http://schemas.microsoft.com/office/drawing/2014/main" id="{BE7D369C-B0F0-0FBF-D948-E4865A8D638F}"/>
-                </a:ext>
-              </a:extLst>
-            </p:cNvPr>
-            <p:cNvCxnSpPr/>
-            <p:nvPr/>
-          </p:nvCxnSpPr>
-          <p:spPr>
-            <a:xfrm>
-              <a:off x="5114443" y="1024128"/>
-              <a:ext cx="0" cy="137160"/>
-            </a:xfrm>
-            <a:prstGeom prst="line">
-              <a:avLst/>
-            </a:prstGeom>
-            <a:ln w="19050"/>
-          </p:spPr>
-          <p:style>
-            <a:lnRef idx="1">
-              <a:schemeClr val="dk1"/>
-            </a:lnRef>
-            <a:fillRef idx="0">
-              <a:schemeClr val="dk1"/>
-            </a:fillRef>
-            <a:effectRef idx="0">
-              <a:schemeClr val="dk1"/>
-            </a:effectRef>
-            <a:fontRef idx="minor">
-              <a:schemeClr val="tx1"/>
-            </a:fontRef>
-          </p:style>
-        </p:cxnSp>
-        <p:cxnSp>
-          <p:nvCxnSpPr>
-            <p:cNvPr id="33" name="Straight Connector 32">
-              <a:extLst>
-                <a:ext uri="{FF2B5EF4-FFF2-40B4-BE49-F238E27FC236}">
-                  <a16:creationId xmlns:a16="http://schemas.microsoft.com/office/drawing/2014/main" id="{9AA8AEFA-5FF4-FF0B-AB72-9CCEAE52F757}"/>
-                </a:ext>
-              </a:extLst>
-            </p:cNvPr>
-            <p:cNvCxnSpPr/>
-            <p:nvPr/>
-          </p:nvCxnSpPr>
-          <p:spPr>
-            <a:xfrm>
-              <a:off x="5437021" y="1024128"/>
-              <a:ext cx="0" cy="137160"/>
-            </a:xfrm>
-            <a:prstGeom prst="line">
-              <a:avLst/>
-            </a:prstGeom>
-            <a:ln w="19050"/>
-          </p:spPr>
-          <p:style>
-            <a:lnRef idx="1">
-              <a:schemeClr val="dk1"/>
-            </a:lnRef>
-            <a:fillRef idx="0">
-              <a:schemeClr val="dk1"/>
-            </a:fillRef>
-            <a:effectRef idx="0">
-              <a:schemeClr val="dk1"/>
-            </a:effectRef>
-            <a:fontRef idx="minor">
-              <a:schemeClr val="tx1"/>
-            </a:fontRef>
-          </p:style>
-        </p:cxnSp>
-      </p:grpSp>
       <p:grpSp>
         <p:nvGrpSpPr>
           <p:cNvPr id="142" name="Group 141">
@@ -7581,6 +7237,927 @@
           </p:txBody>
         </p:sp>
       </p:grpSp>
+      <p:cxnSp>
+        <p:nvCxnSpPr>
+          <p:cNvPr id="4" name="Straight Connector 3">
+            <a:extLst>
+              <a:ext uri="{FF2B5EF4-FFF2-40B4-BE49-F238E27FC236}">
+                <a16:creationId xmlns:a16="http://schemas.microsoft.com/office/drawing/2014/main" id="{35605FB9-9594-7B58-79AA-88E77F9F1C74}"/>
+              </a:ext>
+            </a:extLst>
+          </p:cNvPr>
+          <p:cNvCxnSpPr>
+            <a:cxnSpLocks/>
+          </p:cNvCxnSpPr>
+          <p:nvPr/>
+        </p:nvCxnSpPr>
+        <p:spPr>
+          <a:xfrm>
+            <a:off x="1949479" y="87669"/>
+            <a:ext cx="0" cy="1325880"/>
+          </a:xfrm>
+          <a:prstGeom prst="line">
+            <a:avLst/>
+          </a:prstGeom>
+          <a:ln w="19050">
+            <a:solidFill>
+              <a:srgbClr val="080808"/>
+            </a:solidFill>
+          </a:ln>
+        </p:spPr>
+        <p:style>
+          <a:lnRef idx="1">
+            <a:schemeClr val="accent1"/>
+          </a:lnRef>
+          <a:fillRef idx="0">
+            <a:schemeClr val="accent1"/>
+          </a:fillRef>
+          <a:effectRef idx="0">
+            <a:schemeClr val="accent1"/>
+          </a:effectRef>
+          <a:fontRef idx="minor">
+            <a:schemeClr val="tx1"/>
+          </a:fontRef>
+        </p:style>
+      </p:cxnSp>
+      <p:cxnSp>
+        <p:nvCxnSpPr>
+          <p:cNvPr id="5" name="Straight Connector 4">
+            <a:extLst>
+              <a:ext uri="{FF2B5EF4-FFF2-40B4-BE49-F238E27FC236}">
+                <a16:creationId xmlns:a16="http://schemas.microsoft.com/office/drawing/2014/main" id="{C8EC6D7A-75C9-2F6B-DBF4-97C56C74DE3F}"/>
+              </a:ext>
+            </a:extLst>
+          </p:cNvPr>
+          <p:cNvCxnSpPr>
+            <a:cxnSpLocks/>
+          </p:cNvCxnSpPr>
+          <p:nvPr/>
+        </p:nvCxnSpPr>
+        <p:spPr>
+          <a:xfrm>
+            <a:off x="3855495" y="88836"/>
+            <a:ext cx="0" cy="1325880"/>
+          </a:xfrm>
+          <a:prstGeom prst="line">
+            <a:avLst/>
+          </a:prstGeom>
+          <a:ln w="19050">
+            <a:solidFill>
+              <a:srgbClr val="080808"/>
+            </a:solidFill>
+          </a:ln>
+        </p:spPr>
+        <p:style>
+          <a:lnRef idx="1">
+            <a:schemeClr val="accent1"/>
+          </a:lnRef>
+          <a:fillRef idx="0">
+            <a:schemeClr val="accent1"/>
+          </a:fillRef>
+          <a:effectRef idx="0">
+            <a:schemeClr val="accent1"/>
+          </a:effectRef>
+          <a:fontRef idx="minor">
+            <a:schemeClr val="tx1"/>
+          </a:fontRef>
+        </p:style>
+      </p:cxnSp>
+      <p:grpSp>
+        <p:nvGrpSpPr>
+          <p:cNvPr id="10" name="Group 9">
+            <a:extLst>
+              <a:ext uri="{FF2B5EF4-FFF2-40B4-BE49-F238E27FC236}">
+                <a16:creationId xmlns:a16="http://schemas.microsoft.com/office/drawing/2014/main" id="{E5FD71C6-F796-094F-92B9-D1DC1747EF32}"/>
+              </a:ext>
+            </a:extLst>
+          </p:cNvPr>
+          <p:cNvGrpSpPr/>
+          <p:nvPr/>
+        </p:nvGrpSpPr>
+        <p:grpSpPr>
+          <a:xfrm>
+            <a:off x="6826838" y="457200"/>
+            <a:ext cx="4838418" cy="114905"/>
+            <a:chOff x="6826838" y="467336"/>
+            <a:chExt cx="4838418" cy="114905"/>
+          </a:xfrm>
+        </p:grpSpPr>
+        <p:cxnSp>
+          <p:nvCxnSpPr>
+            <p:cNvPr id="18" name="Straight Connector 17">
+              <a:extLst>
+                <a:ext uri="{FF2B5EF4-FFF2-40B4-BE49-F238E27FC236}">
+                  <a16:creationId xmlns:a16="http://schemas.microsoft.com/office/drawing/2014/main" id="{D0114014-C06D-98DC-F997-BD55EC31FEB8}"/>
+                </a:ext>
+              </a:extLst>
+            </p:cNvPr>
+            <p:cNvCxnSpPr/>
+            <p:nvPr/>
+          </p:nvCxnSpPr>
+          <p:spPr>
+            <a:xfrm>
+              <a:off x="6826838" y="469931"/>
+              <a:ext cx="0" cy="95855"/>
+            </a:xfrm>
+            <a:prstGeom prst="line">
+              <a:avLst/>
+            </a:prstGeom>
+            <a:ln w="19050"/>
+          </p:spPr>
+          <p:style>
+            <a:lnRef idx="1">
+              <a:schemeClr val="dk1"/>
+            </a:lnRef>
+            <a:fillRef idx="0">
+              <a:schemeClr val="dk1"/>
+            </a:fillRef>
+            <a:effectRef idx="0">
+              <a:schemeClr val="dk1"/>
+            </a:effectRef>
+            <a:fontRef idx="minor">
+              <a:schemeClr val="tx1"/>
+            </a:fontRef>
+          </p:style>
+        </p:cxnSp>
+        <p:cxnSp>
+          <p:nvCxnSpPr>
+            <p:cNvPr id="19" name="Straight Connector 18">
+              <a:extLst>
+                <a:ext uri="{FF2B5EF4-FFF2-40B4-BE49-F238E27FC236}">
+                  <a16:creationId xmlns:a16="http://schemas.microsoft.com/office/drawing/2014/main" id="{BF77EB95-060D-8F0F-B1AA-8471F2D7BD1F}"/>
+                </a:ext>
+              </a:extLst>
+            </p:cNvPr>
+            <p:cNvCxnSpPr/>
+            <p:nvPr/>
+          </p:nvCxnSpPr>
+          <p:spPr>
+            <a:xfrm>
+              <a:off x="7200644" y="467336"/>
+              <a:ext cx="0" cy="95855"/>
+            </a:xfrm>
+            <a:prstGeom prst="line">
+              <a:avLst/>
+            </a:prstGeom>
+            <a:ln w="19050"/>
+          </p:spPr>
+          <p:style>
+            <a:lnRef idx="1">
+              <a:schemeClr val="dk1"/>
+            </a:lnRef>
+            <a:fillRef idx="0">
+              <a:schemeClr val="dk1"/>
+            </a:fillRef>
+            <a:effectRef idx="0">
+              <a:schemeClr val="dk1"/>
+            </a:effectRef>
+            <a:fontRef idx="minor">
+              <a:schemeClr val="tx1"/>
+            </a:fontRef>
+          </p:style>
+        </p:cxnSp>
+        <p:cxnSp>
+          <p:nvCxnSpPr>
+            <p:cNvPr id="20" name="Straight Connector 19">
+              <a:extLst>
+                <a:ext uri="{FF2B5EF4-FFF2-40B4-BE49-F238E27FC236}">
+                  <a16:creationId xmlns:a16="http://schemas.microsoft.com/office/drawing/2014/main" id="{7D41D183-9994-B93B-B2FC-EE47EA42B952}"/>
+                </a:ext>
+              </a:extLst>
+            </p:cNvPr>
+            <p:cNvCxnSpPr/>
+            <p:nvPr/>
+          </p:nvCxnSpPr>
+          <p:spPr>
+            <a:xfrm>
+              <a:off x="7568992" y="467336"/>
+              <a:ext cx="0" cy="95855"/>
+            </a:xfrm>
+            <a:prstGeom prst="line">
+              <a:avLst/>
+            </a:prstGeom>
+            <a:ln w="19050"/>
+          </p:spPr>
+          <p:style>
+            <a:lnRef idx="1">
+              <a:schemeClr val="dk1"/>
+            </a:lnRef>
+            <a:fillRef idx="0">
+              <a:schemeClr val="dk1"/>
+            </a:fillRef>
+            <a:effectRef idx="0">
+              <a:schemeClr val="dk1"/>
+            </a:effectRef>
+            <a:fontRef idx="minor">
+              <a:schemeClr val="tx1"/>
+            </a:fontRef>
+          </p:style>
+        </p:cxnSp>
+        <p:cxnSp>
+          <p:nvCxnSpPr>
+            <p:cNvPr id="21" name="Straight Connector 20">
+              <a:extLst>
+                <a:ext uri="{FF2B5EF4-FFF2-40B4-BE49-F238E27FC236}">
+                  <a16:creationId xmlns:a16="http://schemas.microsoft.com/office/drawing/2014/main" id="{D6CA3D0A-A0EB-CE3A-5AB7-ED04DFE24F0A}"/>
+                </a:ext>
+              </a:extLst>
+            </p:cNvPr>
+            <p:cNvCxnSpPr/>
+            <p:nvPr/>
+          </p:nvCxnSpPr>
+          <p:spPr>
+            <a:xfrm>
+              <a:off x="7945537" y="467336"/>
+              <a:ext cx="0" cy="95855"/>
+            </a:xfrm>
+            <a:prstGeom prst="line">
+              <a:avLst/>
+            </a:prstGeom>
+            <a:ln w="19050"/>
+          </p:spPr>
+          <p:style>
+            <a:lnRef idx="1">
+              <a:schemeClr val="dk1"/>
+            </a:lnRef>
+            <a:fillRef idx="0">
+              <a:schemeClr val="dk1"/>
+            </a:fillRef>
+            <a:effectRef idx="0">
+              <a:schemeClr val="dk1"/>
+            </a:effectRef>
+            <a:fontRef idx="minor">
+              <a:schemeClr val="tx1"/>
+            </a:fontRef>
+          </p:style>
+        </p:cxnSp>
+        <p:cxnSp>
+          <p:nvCxnSpPr>
+            <p:cNvPr id="22" name="Straight Connector 21">
+              <a:extLst>
+                <a:ext uri="{FF2B5EF4-FFF2-40B4-BE49-F238E27FC236}">
+                  <a16:creationId xmlns:a16="http://schemas.microsoft.com/office/drawing/2014/main" id="{B38FABCA-0C30-27DA-9BED-535A75413682}"/>
+                </a:ext>
+              </a:extLst>
+            </p:cNvPr>
+            <p:cNvCxnSpPr/>
+            <p:nvPr/>
+          </p:nvCxnSpPr>
+          <p:spPr>
+            <a:xfrm>
+              <a:off x="8311158" y="467336"/>
+              <a:ext cx="0" cy="95855"/>
+            </a:xfrm>
+            <a:prstGeom prst="line">
+              <a:avLst/>
+            </a:prstGeom>
+            <a:ln w="19050"/>
+          </p:spPr>
+          <p:style>
+            <a:lnRef idx="1">
+              <a:schemeClr val="dk1"/>
+            </a:lnRef>
+            <a:fillRef idx="0">
+              <a:schemeClr val="dk1"/>
+            </a:fillRef>
+            <a:effectRef idx="0">
+              <a:schemeClr val="dk1"/>
+            </a:effectRef>
+            <a:fontRef idx="minor">
+              <a:schemeClr val="tx1"/>
+            </a:fontRef>
+          </p:style>
+        </p:cxnSp>
+        <p:cxnSp>
+          <p:nvCxnSpPr>
+            <p:cNvPr id="23" name="Straight Connector 22">
+              <a:extLst>
+                <a:ext uri="{FF2B5EF4-FFF2-40B4-BE49-F238E27FC236}">
+                  <a16:creationId xmlns:a16="http://schemas.microsoft.com/office/drawing/2014/main" id="{68F8E451-F29E-20A3-1793-CADC9F961DDC}"/>
+                </a:ext>
+              </a:extLst>
+            </p:cNvPr>
+            <p:cNvCxnSpPr/>
+            <p:nvPr/>
+          </p:nvCxnSpPr>
+          <p:spPr>
+            <a:xfrm>
+              <a:off x="8684963" y="467336"/>
+              <a:ext cx="0" cy="95855"/>
+            </a:xfrm>
+            <a:prstGeom prst="line">
+              <a:avLst/>
+            </a:prstGeom>
+            <a:ln w="19050"/>
+          </p:spPr>
+          <p:style>
+            <a:lnRef idx="1">
+              <a:schemeClr val="dk1"/>
+            </a:lnRef>
+            <a:fillRef idx="0">
+              <a:schemeClr val="dk1"/>
+            </a:fillRef>
+            <a:effectRef idx="0">
+              <a:schemeClr val="dk1"/>
+            </a:effectRef>
+            <a:fontRef idx="minor">
+              <a:schemeClr val="tx1"/>
+            </a:fontRef>
+          </p:style>
+        </p:cxnSp>
+        <p:cxnSp>
+          <p:nvCxnSpPr>
+            <p:cNvPr id="24" name="Straight Connector 23">
+              <a:extLst>
+                <a:ext uri="{FF2B5EF4-FFF2-40B4-BE49-F238E27FC236}">
+                  <a16:creationId xmlns:a16="http://schemas.microsoft.com/office/drawing/2014/main" id="{B94B1F92-8343-1A06-6200-184C7E69566B}"/>
+                </a:ext>
+              </a:extLst>
+            </p:cNvPr>
+            <p:cNvCxnSpPr/>
+            <p:nvPr/>
+          </p:nvCxnSpPr>
+          <p:spPr>
+            <a:xfrm>
+              <a:off x="9056038" y="467336"/>
+              <a:ext cx="0" cy="95855"/>
+            </a:xfrm>
+            <a:prstGeom prst="line">
+              <a:avLst/>
+            </a:prstGeom>
+            <a:ln w="19050"/>
+          </p:spPr>
+          <p:style>
+            <a:lnRef idx="1">
+              <a:schemeClr val="dk1"/>
+            </a:lnRef>
+            <a:fillRef idx="0">
+              <a:schemeClr val="dk1"/>
+            </a:fillRef>
+            <a:effectRef idx="0">
+              <a:schemeClr val="dk1"/>
+            </a:effectRef>
+            <a:fontRef idx="minor">
+              <a:schemeClr val="tx1"/>
+            </a:fontRef>
+          </p:style>
+        </p:cxnSp>
+        <p:cxnSp>
+          <p:nvCxnSpPr>
+            <p:cNvPr id="30" name="Straight Connector 29">
+              <a:extLst>
+                <a:ext uri="{FF2B5EF4-FFF2-40B4-BE49-F238E27FC236}">
+                  <a16:creationId xmlns:a16="http://schemas.microsoft.com/office/drawing/2014/main" id="{CE72D169-1E17-AC8F-809D-EE990DE378A3}"/>
+                </a:ext>
+              </a:extLst>
+            </p:cNvPr>
+            <p:cNvCxnSpPr/>
+            <p:nvPr/>
+          </p:nvCxnSpPr>
+          <p:spPr>
+            <a:xfrm>
+              <a:off x="9794546" y="467336"/>
+              <a:ext cx="0" cy="95855"/>
+            </a:xfrm>
+            <a:prstGeom prst="line">
+              <a:avLst/>
+            </a:prstGeom>
+            <a:ln w="19050"/>
+          </p:spPr>
+          <p:style>
+            <a:lnRef idx="1">
+              <a:schemeClr val="dk1"/>
+            </a:lnRef>
+            <a:fillRef idx="0">
+              <a:schemeClr val="dk1"/>
+            </a:fillRef>
+            <a:effectRef idx="0">
+              <a:schemeClr val="dk1"/>
+            </a:effectRef>
+            <a:fontRef idx="minor">
+              <a:schemeClr val="tx1"/>
+            </a:fontRef>
+          </p:style>
+        </p:cxnSp>
+        <p:cxnSp>
+          <p:nvCxnSpPr>
+            <p:cNvPr id="31" name="Straight Connector 30">
+              <a:extLst>
+                <a:ext uri="{FF2B5EF4-FFF2-40B4-BE49-F238E27FC236}">
+                  <a16:creationId xmlns:a16="http://schemas.microsoft.com/office/drawing/2014/main" id="{2E3C327E-4C01-E92D-CA54-40089110CF8D}"/>
+                </a:ext>
+              </a:extLst>
+            </p:cNvPr>
+            <p:cNvCxnSpPr/>
+            <p:nvPr/>
+          </p:nvCxnSpPr>
+          <p:spPr>
+            <a:xfrm>
+              <a:off x="9432564" y="467336"/>
+              <a:ext cx="0" cy="95855"/>
+            </a:xfrm>
+            <a:prstGeom prst="line">
+              <a:avLst/>
+            </a:prstGeom>
+            <a:ln w="19050"/>
+          </p:spPr>
+          <p:style>
+            <a:lnRef idx="1">
+              <a:schemeClr val="dk1"/>
+            </a:lnRef>
+            <a:fillRef idx="0">
+              <a:schemeClr val="dk1"/>
+            </a:fillRef>
+            <a:effectRef idx="0">
+              <a:schemeClr val="dk1"/>
+            </a:effectRef>
+            <a:fontRef idx="minor">
+              <a:schemeClr val="tx1"/>
+            </a:fontRef>
+          </p:style>
+        </p:cxnSp>
+        <p:cxnSp>
+          <p:nvCxnSpPr>
+            <p:cNvPr id="32" name="Straight Connector 31">
+              <a:extLst>
+                <a:ext uri="{FF2B5EF4-FFF2-40B4-BE49-F238E27FC236}">
+                  <a16:creationId xmlns:a16="http://schemas.microsoft.com/office/drawing/2014/main" id="{BE7D369C-B0F0-0FBF-D948-E4865A8D638F}"/>
+                </a:ext>
+              </a:extLst>
+            </p:cNvPr>
+            <p:cNvCxnSpPr/>
+            <p:nvPr/>
+          </p:nvCxnSpPr>
+          <p:spPr>
+            <a:xfrm>
+              <a:off x="10180171" y="467336"/>
+              <a:ext cx="0" cy="95855"/>
+            </a:xfrm>
+            <a:prstGeom prst="line">
+              <a:avLst/>
+            </a:prstGeom>
+            <a:ln w="19050"/>
+          </p:spPr>
+          <p:style>
+            <a:lnRef idx="1">
+              <a:schemeClr val="dk1"/>
+            </a:lnRef>
+            <a:fillRef idx="0">
+              <a:schemeClr val="dk1"/>
+            </a:fillRef>
+            <a:effectRef idx="0">
+              <a:schemeClr val="dk1"/>
+            </a:effectRef>
+            <a:fontRef idx="minor">
+              <a:schemeClr val="tx1"/>
+            </a:fontRef>
+          </p:style>
+        </p:cxnSp>
+        <p:cxnSp>
+          <p:nvCxnSpPr>
+            <p:cNvPr id="33" name="Straight Connector 32">
+              <a:extLst>
+                <a:ext uri="{FF2B5EF4-FFF2-40B4-BE49-F238E27FC236}">
+                  <a16:creationId xmlns:a16="http://schemas.microsoft.com/office/drawing/2014/main" id="{9AA8AEFA-5FF4-FF0B-AB72-9CCEAE52F757}"/>
+                </a:ext>
+              </a:extLst>
+            </p:cNvPr>
+            <p:cNvCxnSpPr/>
+            <p:nvPr/>
+          </p:nvCxnSpPr>
+          <p:spPr>
+            <a:xfrm>
+              <a:off x="10549789" y="467336"/>
+              <a:ext cx="0" cy="95855"/>
+            </a:xfrm>
+            <a:prstGeom prst="line">
+              <a:avLst/>
+            </a:prstGeom>
+            <a:ln w="19050"/>
+          </p:spPr>
+          <p:style>
+            <a:lnRef idx="1">
+              <a:schemeClr val="dk1"/>
+            </a:lnRef>
+            <a:fillRef idx="0">
+              <a:schemeClr val="dk1"/>
+            </a:fillRef>
+            <a:effectRef idx="0">
+              <a:schemeClr val="dk1"/>
+            </a:effectRef>
+            <a:fontRef idx="minor">
+              <a:schemeClr val="tx1"/>
+            </a:fontRef>
+          </p:style>
+        </p:cxnSp>
+        <p:cxnSp>
+          <p:nvCxnSpPr>
+            <p:cNvPr id="7" name="Straight Connector 6">
+              <a:extLst>
+                <a:ext uri="{FF2B5EF4-FFF2-40B4-BE49-F238E27FC236}">
+                  <a16:creationId xmlns:a16="http://schemas.microsoft.com/office/drawing/2014/main" id="{9AADBDD9-BA9D-FABF-A828-23264B28FAF5}"/>
+                </a:ext>
+              </a:extLst>
+            </p:cNvPr>
+            <p:cNvCxnSpPr/>
+            <p:nvPr/>
+          </p:nvCxnSpPr>
+          <p:spPr>
+            <a:xfrm>
+              <a:off x="10926748" y="486386"/>
+              <a:ext cx="0" cy="95855"/>
+            </a:xfrm>
+            <a:prstGeom prst="line">
+              <a:avLst/>
+            </a:prstGeom>
+            <a:ln w="19050"/>
+          </p:spPr>
+          <p:style>
+            <a:lnRef idx="1">
+              <a:schemeClr val="dk1"/>
+            </a:lnRef>
+            <a:fillRef idx="0">
+              <a:schemeClr val="dk1"/>
+            </a:fillRef>
+            <a:effectRef idx="0">
+              <a:schemeClr val="dk1"/>
+            </a:effectRef>
+            <a:fontRef idx="minor">
+              <a:schemeClr val="tx1"/>
+            </a:fontRef>
+          </p:style>
+        </p:cxnSp>
+        <p:cxnSp>
+          <p:nvCxnSpPr>
+            <p:cNvPr id="8" name="Straight Connector 7">
+              <a:extLst>
+                <a:ext uri="{FF2B5EF4-FFF2-40B4-BE49-F238E27FC236}">
+                  <a16:creationId xmlns:a16="http://schemas.microsoft.com/office/drawing/2014/main" id="{3A6D30AE-9479-5795-726A-7B08CDCED3C3}"/>
+                </a:ext>
+              </a:extLst>
+            </p:cNvPr>
+            <p:cNvCxnSpPr/>
+            <p:nvPr/>
+          </p:nvCxnSpPr>
+          <p:spPr>
+            <a:xfrm>
+              <a:off x="11665256" y="486386"/>
+              <a:ext cx="0" cy="95855"/>
+            </a:xfrm>
+            <a:prstGeom prst="line">
+              <a:avLst/>
+            </a:prstGeom>
+            <a:ln w="19050"/>
+          </p:spPr>
+          <p:style>
+            <a:lnRef idx="1">
+              <a:schemeClr val="dk1"/>
+            </a:lnRef>
+            <a:fillRef idx="0">
+              <a:schemeClr val="dk1"/>
+            </a:fillRef>
+            <a:effectRef idx="0">
+              <a:schemeClr val="dk1"/>
+            </a:effectRef>
+            <a:fontRef idx="minor">
+              <a:schemeClr val="tx1"/>
+            </a:fontRef>
+          </p:style>
+        </p:cxnSp>
+        <p:cxnSp>
+          <p:nvCxnSpPr>
+            <p:cNvPr id="9" name="Straight Connector 8">
+              <a:extLst>
+                <a:ext uri="{FF2B5EF4-FFF2-40B4-BE49-F238E27FC236}">
+                  <a16:creationId xmlns:a16="http://schemas.microsoft.com/office/drawing/2014/main" id="{7A2F2D95-2A58-8EDB-430E-FC5280709412}"/>
+                </a:ext>
+              </a:extLst>
+            </p:cNvPr>
+            <p:cNvCxnSpPr/>
+            <p:nvPr/>
+          </p:nvCxnSpPr>
+          <p:spPr>
+            <a:xfrm>
+              <a:off x="11303274" y="486386"/>
+              <a:ext cx="0" cy="95855"/>
+            </a:xfrm>
+            <a:prstGeom prst="line">
+              <a:avLst/>
+            </a:prstGeom>
+            <a:ln w="19050"/>
+          </p:spPr>
+          <p:style>
+            <a:lnRef idx="1">
+              <a:schemeClr val="dk1"/>
+            </a:lnRef>
+            <a:fillRef idx="0">
+              <a:schemeClr val="dk1"/>
+            </a:fillRef>
+            <a:effectRef idx="0">
+              <a:schemeClr val="dk1"/>
+            </a:effectRef>
+            <a:fontRef idx="minor">
+              <a:schemeClr val="tx1"/>
+            </a:fontRef>
+          </p:style>
+        </p:cxnSp>
+      </p:grpSp>
+      <p:cxnSp>
+        <p:nvCxnSpPr>
+          <p:cNvPr id="235" name="Straight Connector 234">
+            <a:extLst>
+              <a:ext uri="{FF2B5EF4-FFF2-40B4-BE49-F238E27FC236}">
+                <a16:creationId xmlns:a16="http://schemas.microsoft.com/office/drawing/2014/main" id="{2DD1894E-D6DB-6D37-F107-7D9866D07E7A}"/>
+              </a:ext>
+            </a:extLst>
+          </p:cNvPr>
+          <p:cNvCxnSpPr/>
+          <p:nvPr/>
+        </p:nvCxnSpPr>
+        <p:spPr>
+          <a:xfrm>
+            <a:off x="4216475" y="432622"/>
+            <a:ext cx="0" cy="95855"/>
+          </a:xfrm>
+          <a:prstGeom prst="line">
+            <a:avLst/>
+          </a:prstGeom>
+          <a:ln w="19050"/>
+        </p:spPr>
+        <p:style>
+          <a:lnRef idx="1">
+            <a:schemeClr val="dk1"/>
+          </a:lnRef>
+          <a:fillRef idx="0">
+            <a:schemeClr val="dk1"/>
+          </a:fillRef>
+          <a:effectRef idx="0">
+            <a:schemeClr val="dk1"/>
+          </a:effectRef>
+          <a:fontRef idx="minor">
+            <a:schemeClr val="tx1"/>
+          </a:fontRef>
+        </p:style>
+      </p:cxnSp>
+      <p:cxnSp>
+        <p:nvCxnSpPr>
+          <p:cNvPr id="236" name="Straight Connector 235">
+            <a:extLst>
+              <a:ext uri="{FF2B5EF4-FFF2-40B4-BE49-F238E27FC236}">
+                <a16:creationId xmlns:a16="http://schemas.microsoft.com/office/drawing/2014/main" id="{2A9F5AF8-6BEA-53CD-9116-10ECCAFE6A23}"/>
+              </a:ext>
+            </a:extLst>
+          </p:cNvPr>
+          <p:cNvCxnSpPr/>
+          <p:nvPr/>
+        </p:nvCxnSpPr>
+        <p:spPr>
+          <a:xfrm>
+            <a:off x="4206390" y="919802"/>
+            <a:ext cx="0" cy="95855"/>
+          </a:xfrm>
+          <a:prstGeom prst="line">
+            <a:avLst/>
+          </a:prstGeom>
+          <a:ln w="19050"/>
+        </p:spPr>
+        <p:style>
+          <a:lnRef idx="1">
+            <a:schemeClr val="dk1"/>
+          </a:lnRef>
+          <a:fillRef idx="0">
+            <a:schemeClr val="dk1"/>
+          </a:fillRef>
+          <a:effectRef idx="0">
+            <a:schemeClr val="dk1"/>
+          </a:effectRef>
+          <a:fontRef idx="minor">
+            <a:schemeClr val="tx1"/>
+          </a:fontRef>
+        </p:style>
+      </p:cxnSp>
+      <p:cxnSp>
+        <p:nvCxnSpPr>
+          <p:cNvPr id="237" name="Straight Connector 236">
+            <a:extLst>
+              <a:ext uri="{FF2B5EF4-FFF2-40B4-BE49-F238E27FC236}">
+                <a16:creationId xmlns:a16="http://schemas.microsoft.com/office/drawing/2014/main" id="{56CC7556-3DE6-5E07-B478-B7E55BF26E4E}"/>
+              </a:ext>
+            </a:extLst>
+          </p:cNvPr>
+          <p:cNvCxnSpPr/>
+          <p:nvPr/>
+        </p:nvCxnSpPr>
+        <p:spPr>
+          <a:xfrm>
+            <a:off x="873222" y="407758"/>
+            <a:ext cx="0" cy="95855"/>
+          </a:xfrm>
+          <a:prstGeom prst="line">
+            <a:avLst/>
+          </a:prstGeom>
+          <a:ln w="19050"/>
+        </p:spPr>
+        <p:style>
+          <a:lnRef idx="1">
+            <a:schemeClr val="dk1"/>
+          </a:lnRef>
+          <a:fillRef idx="0">
+            <a:schemeClr val="dk1"/>
+          </a:fillRef>
+          <a:effectRef idx="0">
+            <a:schemeClr val="dk1"/>
+          </a:effectRef>
+          <a:fontRef idx="minor">
+            <a:schemeClr val="tx1"/>
+          </a:fontRef>
+        </p:style>
+      </p:cxnSp>
+      <p:cxnSp>
+        <p:nvCxnSpPr>
+          <p:cNvPr id="238" name="Straight Connector 237">
+            <a:extLst>
+              <a:ext uri="{FF2B5EF4-FFF2-40B4-BE49-F238E27FC236}">
+                <a16:creationId xmlns:a16="http://schemas.microsoft.com/office/drawing/2014/main" id="{8C4FC2E3-0578-FC83-561B-1D4F339031FF}"/>
+              </a:ext>
+            </a:extLst>
+          </p:cNvPr>
+          <p:cNvCxnSpPr/>
+          <p:nvPr/>
+        </p:nvCxnSpPr>
+        <p:spPr>
+          <a:xfrm>
+            <a:off x="1247028" y="405163"/>
+            <a:ext cx="0" cy="95855"/>
+          </a:xfrm>
+          <a:prstGeom prst="line">
+            <a:avLst/>
+          </a:prstGeom>
+          <a:ln w="19050"/>
+        </p:spPr>
+        <p:style>
+          <a:lnRef idx="1">
+            <a:schemeClr val="dk1"/>
+          </a:lnRef>
+          <a:fillRef idx="0">
+            <a:schemeClr val="dk1"/>
+          </a:fillRef>
+          <a:effectRef idx="0">
+            <a:schemeClr val="dk1"/>
+          </a:effectRef>
+          <a:fontRef idx="minor">
+            <a:schemeClr val="tx1"/>
+          </a:fontRef>
+        </p:style>
+      </p:cxnSp>
+      <p:cxnSp>
+        <p:nvCxnSpPr>
+          <p:cNvPr id="239" name="Straight Connector 238">
+            <a:extLst>
+              <a:ext uri="{FF2B5EF4-FFF2-40B4-BE49-F238E27FC236}">
+                <a16:creationId xmlns:a16="http://schemas.microsoft.com/office/drawing/2014/main" id="{338837C1-3DBA-A098-C888-01DD0C1EEBE0}"/>
+              </a:ext>
+            </a:extLst>
+          </p:cNvPr>
+          <p:cNvCxnSpPr/>
+          <p:nvPr/>
+        </p:nvCxnSpPr>
+        <p:spPr>
+          <a:xfrm>
+            <a:off x="1615376" y="405163"/>
+            <a:ext cx="0" cy="95855"/>
+          </a:xfrm>
+          <a:prstGeom prst="line">
+            <a:avLst/>
+          </a:prstGeom>
+          <a:ln w="19050"/>
+        </p:spPr>
+        <p:style>
+          <a:lnRef idx="1">
+            <a:schemeClr val="dk1"/>
+          </a:lnRef>
+          <a:fillRef idx="0">
+            <a:schemeClr val="dk1"/>
+          </a:fillRef>
+          <a:effectRef idx="0">
+            <a:schemeClr val="dk1"/>
+          </a:effectRef>
+          <a:fontRef idx="minor">
+            <a:schemeClr val="tx1"/>
+          </a:fontRef>
+        </p:style>
+      </p:cxnSp>
+      <p:cxnSp>
+        <p:nvCxnSpPr>
+          <p:cNvPr id="240" name="Straight Connector 239">
+            <a:extLst>
+              <a:ext uri="{FF2B5EF4-FFF2-40B4-BE49-F238E27FC236}">
+                <a16:creationId xmlns:a16="http://schemas.microsoft.com/office/drawing/2014/main" id="{FE27E4E1-3F5B-3745-3081-EB0C6B1727FF}"/>
+              </a:ext>
+            </a:extLst>
+          </p:cNvPr>
+          <p:cNvCxnSpPr/>
+          <p:nvPr/>
+        </p:nvCxnSpPr>
+        <p:spPr>
+          <a:xfrm>
+            <a:off x="873222" y="899171"/>
+            <a:ext cx="0" cy="95855"/>
+          </a:xfrm>
+          <a:prstGeom prst="line">
+            <a:avLst/>
+          </a:prstGeom>
+          <a:ln w="19050"/>
+        </p:spPr>
+        <p:style>
+          <a:lnRef idx="1">
+            <a:schemeClr val="dk1"/>
+          </a:lnRef>
+          <a:fillRef idx="0">
+            <a:schemeClr val="dk1"/>
+          </a:fillRef>
+          <a:effectRef idx="0">
+            <a:schemeClr val="dk1"/>
+          </a:effectRef>
+          <a:fontRef idx="minor">
+            <a:schemeClr val="tx1"/>
+          </a:fontRef>
+        </p:style>
+      </p:cxnSp>
+      <p:cxnSp>
+        <p:nvCxnSpPr>
+          <p:cNvPr id="241" name="Straight Connector 240">
+            <a:extLst>
+              <a:ext uri="{FF2B5EF4-FFF2-40B4-BE49-F238E27FC236}">
+                <a16:creationId xmlns:a16="http://schemas.microsoft.com/office/drawing/2014/main" id="{CE08CF0E-3C70-5D32-5BEE-1E9556F37BA5}"/>
+              </a:ext>
+            </a:extLst>
+          </p:cNvPr>
+          <p:cNvCxnSpPr/>
+          <p:nvPr/>
+        </p:nvCxnSpPr>
+        <p:spPr>
+          <a:xfrm>
+            <a:off x="1247028" y="896576"/>
+            <a:ext cx="0" cy="95855"/>
+          </a:xfrm>
+          <a:prstGeom prst="line">
+            <a:avLst/>
+          </a:prstGeom>
+          <a:ln w="19050"/>
+        </p:spPr>
+        <p:style>
+          <a:lnRef idx="1">
+            <a:schemeClr val="dk1"/>
+          </a:lnRef>
+          <a:fillRef idx="0">
+            <a:schemeClr val="dk1"/>
+          </a:fillRef>
+          <a:effectRef idx="0">
+            <a:schemeClr val="dk1"/>
+          </a:effectRef>
+          <a:fontRef idx="minor">
+            <a:schemeClr val="tx1"/>
+          </a:fontRef>
+        </p:style>
+      </p:cxnSp>
+      <p:cxnSp>
+        <p:nvCxnSpPr>
+          <p:cNvPr id="242" name="Straight Connector 241">
+            <a:extLst>
+              <a:ext uri="{FF2B5EF4-FFF2-40B4-BE49-F238E27FC236}">
+                <a16:creationId xmlns:a16="http://schemas.microsoft.com/office/drawing/2014/main" id="{BC0031B4-317D-14F4-EB20-58DD057C634F}"/>
+              </a:ext>
+            </a:extLst>
+          </p:cNvPr>
+          <p:cNvCxnSpPr/>
+          <p:nvPr/>
+        </p:nvCxnSpPr>
+        <p:spPr>
+          <a:xfrm>
+            <a:off x="1615376" y="896576"/>
+            <a:ext cx="0" cy="95855"/>
+          </a:xfrm>
+          <a:prstGeom prst="line">
+            <a:avLst/>
+          </a:prstGeom>
+          <a:ln w="19050"/>
+        </p:spPr>
+        <p:style>
+          <a:lnRef idx="1">
+            <a:schemeClr val="dk1"/>
+          </a:lnRef>
+          <a:fillRef idx="0">
+            <a:schemeClr val="dk1"/>
+          </a:fillRef>
+          <a:effectRef idx="0">
+            <a:schemeClr val="dk1"/>
+          </a:effectRef>
+          <a:fontRef idx="minor">
+            <a:schemeClr val="tx1"/>
+          </a:fontRef>
+        </p:style>
+      </p:cxnSp>
     </p:spTree>
     <p:extLst>
       <p:ext uri="{BB962C8B-B14F-4D97-AF65-F5344CB8AC3E}">
@@ -7656,23 +8233,7 @@
             </a:r>
             <a:r>
               <a:rPr lang="en-US" sz="2000" b="1" dirty="0"/>
-              <a:t>, 5</a:t>
-            </a:r>
-            <a:r>
-              <a:rPr lang="en-US" sz="2000" b="1" baseline="30000" dirty="0"/>
-              <a:t>th</a:t>
-            </a:r>
-            <a:r>
-              <a:rPr lang="en-US" sz="2000" b="1" dirty="0"/>
-              <a:t>, 9</a:t>
-            </a:r>
-            <a:r>
-              <a:rPr lang="en-US" sz="2000" b="1" baseline="30000" dirty="0"/>
-              <a:t>th</a:t>
-            </a:r>
-            <a:r>
-              <a:rPr lang="en-US" sz="2000" b="1" dirty="0"/>
-              <a:t> AND 13</a:t>
+              <a:t> TO 12</a:t>
             </a:r>
             <a:r>
               <a:rPr lang="en-US" sz="2000" b="1" baseline="30000" dirty="0"/>
